--- a/DataChallenge_AW.pptx
+++ b/DataChallenge_AW.pptx
@@ -8,8 +8,9 @@
     <p:sldId id="257" r:id="rId2"/>
     <p:sldId id="258" r:id="rId3"/>
     <p:sldId id="262" r:id="rId4"/>
-    <p:sldId id="263" r:id="rId5"/>
-    <p:sldId id="261" r:id="rId6"/>
+    <p:sldId id="264" r:id="rId5"/>
+    <p:sldId id="263" r:id="rId6"/>
+    <p:sldId id="261" r:id="rId7"/>
   </p:sldIdLst>
   <p:sldSz cx="12192000" cy="6858000"/>
   <p:notesSz cx="6858000" cy="9144000"/>
@@ -8512,6 +8513,229 @@
 <file path=ppt/slides/slide4.xml><?xml version="1.0" encoding="utf-8"?>
 <p:sld xmlns:a="http://schemas.openxmlformats.org/drawingml/2006/main" xmlns:r="http://schemas.openxmlformats.org/officeDocument/2006/relationships" xmlns:p="http://schemas.openxmlformats.org/presentationml/2006/main">
   <p:cSld>
+    <p:spTree>
+      <p:nvGrpSpPr>
+        <p:cNvPr id="1" name=""/>
+        <p:cNvGrpSpPr/>
+        <p:nvPr/>
+      </p:nvGrpSpPr>
+      <p:grpSpPr>
+        <a:xfrm>
+          <a:off x="0" y="0"/>
+          <a:ext cx="0" cy="0"/>
+          <a:chOff x="0" y="0"/>
+          <a:chExt cx="0" cy="0"/>
+        </a:xfrm>
+      </p:grpSpPr>
+      <p:sp>
+        <p:nvSpPr>
+          <p:cNvPr id="2" name="TextBox 1">
+            <a:extLst>
+              <a:ext uri="{FF2B5EF4-FFF2-40B4-BE49-F238E27FC236}">
+                <a16:creationId xmlns:a16="http://schemas.microsoft.com/office/drawing/2014/main" id="{347873CD-60AB-0D40-B37D-3DB751D52EFD}"/>
+              </a:ext>
+            </a:extLst>
+          </p:cNvPr>
+          <p:cNvSpPr txBox="1"/>
+          <p:nvPr/>
+        </p:nvSpPr>
+        <p:spPr>
+          <a:xfrm>
+            <a:off x="783771" y="141515"/>
+            <a:ext cx="11081657" cy="954107"/>
+          </a:xfrm>
+          <a:prstGeom prst="rect">
+            <a:avLst/>
+          </a:prstGeom>
+          <a:noFill/>
+        </p:spPr>
+        <p:txBody>
+          <a:bodyPr wrap="square" rtlCol="0">
+            <a:spAutoFit/>
+          </a:bodyPr>
+          <a:lstStyle/>
+          <a:p>
+            <a:r>
+              <a:rPr lang="en-US" sz="2800" dirty="0"/>
+              <a:t>Does working from home offer the opportunity for a more sustainable future?</a:t>
+            </a:r>
+            <a:endParaRPr lang="en-US" dirty="0"/>
+          </a:p>
+        </p:txBody>
+      </p:sp>
+      <p:sp>
+        <p:nvSpPr>
+          <p:cNvPr id="3" name="TextBox 2">
+            <a:extLst>
+              <a:ext uri="{FF2B5EF4-FFF2-40B4-BE49-F238E27FC236}">
+                <a16:creationId xmlns:a16="http://schemas.microsoft.com/office/drawing/2014/main" id="{AC0FBB42-37B3-1C45-984F-22DCD13CFE81}"/>
+              </a:ext>
+            </a:extLst>
+          </p:cNvPr>
+          <p:cNvSpPr txBox="1"/>
+          <p:nvPr/>
+        </p:nvSpPr>
+        <p:spPr>
+          <a:xfrm>
+            <a:off x="914399" y="1095622"/>
+            <a:ext cx="10765972" cy="5632311"/>
+          </a:xfrm>
+          <a:prstGeom prst="rect">
+            <a:avLst/>
+          </a:prstGeom>
+          <a:noFill/>
+        </p:spPr>
+        <p:txBody>
+          <a:bodyPr wrap="square" rtlCol="0">
+            <a:spAutoFit/>
+          </a:bodyPr>
+          <a:lstStyle/>
+          <a:p>
+            <a:r>
+              <a:rPr lang="en-US" dirty="0"/>
+              <a:t>We are testing this with three different hypotheses</a:t>
+            </a:r>
+          </a:p>
+          <a:p>
+            <a:endParaRPr lang="en-US" dirty="0"/>
+          </a:p>
+          <a:p>
+            <a:endParaRPr lang="en-US" dirty="0"/>
+          </a:p>
+          <a:p>
+            <a:pPr marL="342900" indent="-342900">
+              <a:buAutoNum type="arabicParenR"/>
+            </a:pPr>
+            <a:r>
+              <a:rPr lang="en-US" dirty="0"/>
+              <a:t>At a local level (London) lockdown/working from home improves air quality and  this is related to method of mobility chosen.</a:t>
+            </a:r>
+          </a:p>
+          <a:p>
+            <a:pPr marL="342900" indent="-342900">
+              <a:buAutoNum type="arabicParenR"/>
+            </a:pPr>
+            <a:endParaRPr lang="en-US" dirty="0"/>
+          </a:p>
+          <a:p>
+            <a:pPr marL="285750" indent="-285750">
+              <a:buFontTx/>
+              <a:buChar char="-"/>
+            </a:pPr>
+            <a:r>
+              <a:rPr lang="en-US" dirty="0"/>
+              <a:t>Stringency data, air quality and traffic data</a:t>
+            </a:r>
+          </a:p>
+          <a:p>
+            <a:pPr marL="285750" indent="-285750">
+              <a:buFontTx/>
+              <a:buChar char="-"/>
+            </a:pPr>
+            <a:r>
+              <a:rPr lang="en-US" dirty="0"/>
+              <a:t>Outcome = air quality (nitrogen dioxide) </a:t>
+            </a:r>
+          </a:p>
+          <a:p>
+            <a:pPr marL="285750" indent="-285750">
+              <a:buFontTx/>
+              <a:buChar char="-"/>
+            </a:pPr>
+            <a:r>
+              <a:rPr lang="en-US" dirty="0"/>
+              <a:t>Predictor = cycling and walking</a:t>
+            </a:r>
+          </a:p>
+          <a:p>
+            <a:pPr marL="285750" indent="-285750">
+              <a:buFontTx/>
+              <a:buChar char="-"/>
+            </a:pPr>
+            <a:endParaRPr lang="en-US" dirty="0"/>
+          </a:p>
+          <a:p>
+            <a:pPr marL="342900" indent="-342900">
+              <a:buAutoNum type="arabicParenR"/>
+            </a:pPr>
+            <a:endParaRPr lang="en-US" dirty="0"/>
+          </a:p>
+          <a:p>
+            <a:pPr marL="342900" indent="-342900">
+              <a:buAutoNum type="arabicParenR"/>
+            </a:pPr>
+            <a:r>
+              <a:rPr lang="en-US" dirty="0"/>
+              <a:t>At a national level how did choice of mobility change?</a:t>
+            </a:r>
+          </a:p>
+          <a:p>
+            <a:pPr marL="342900" indent="-342900">
+              <a:buAutoNum type="arabicParenR"/>
+            </a:pPr>
+            <a:endParaRPr lang="en-US" dirty="0"/>
+          </a:p>
+          <a:p>
+            <a:pPr marL="285750" indent="-285750">
+              <a:buFontTx/>
+              <a:buChar char="-"/>
+            </a:pPr>
+            <a:r>
+              <a:rPr lang="en-US" dirty="0"/>
+              <a:t>stringency, google</a:t>
+            </a:r>
+          </a:p>
+          <a:p>
+            <a:endParaRPr lang="en-US" dirty="0"/>
+          </a:p>
+          <a:p>
+            <a:endParaRPr lang="en-US" dirty="0"/>
+          </a:p>
+          <a:p>
+            <a:pPr marL="342900" indent="-342900">
+              <a:buAutoNum type="arabicParenR"/>
+            </a:pPr>
+            <a:endParaRPr lang="en-US" dirty="0"/>
+          </a:p>
+          <a:p>
+            <a:pPr marL="342900" indent="-342900">
+              <a:buAutoNum type="arabicParenR"/>
+            </a:pPr>
+            <a:r>
+              <a:rPr lang="en-US" dirty="0"/>
+              <a:t>International level electricity usage was decreased during lockdown periods.</a:t>
+            </a:r>
+          </a:p>
+          <a:p>
+            <a:pPr marL="342900" indent="-342900">
+              <a:buAutoNum type="arabicParenR"/>
+            </a:pPr>
+            <a:endParaRPr lang="en-US" dirty="0"/>
+          </a:p>
+          <a:p>
+            <a:r>
+              <a:rPr lang="en-US" dirty="0"/>
+              <a:t>- stringency, electricity data, google mobility</a:t>
+            </a:r>
+          </a:p>
+        </p:txBody>
+      </p:sp>
+    </p:spTree>
+    <p:extLst>
+      <p:ext uri="{BB962C8B-B14F-4D97-AF65-F5344CB8AC3E}">
+        <p14:creationId xmlns:p14="http://schemas.microsoft.com/office/powerpoint/2010/main" val="1599456918"/>
+      </p:ext>
+    </p:extLst>
+  </p:cSld>
+  <p:clrMapOvr>
+    <a:masterClrMapping/>
+  </p:clrMapOvr>
+</p:sld>
+</file>
+
+<file path=ppt/slides/slide5.xml><?xml version="1.0" encoding="utf-8"?>
+<p:sld xmlns:a="http://schemas.openxmlformats.org/drawingml/2006/main" xmlns:r="http://schemas.openxmlformats.org/officeDocument/2006/relationships" xmlns:p="http://schemas.openxmlformats.org/presentationml/2006/main">
+  <p:cSld>
     <p:bg>
       <p:bgPr>
         <a:solidFill>
@@ -8998,7 +9222,7 @@
 </p:sld>
 </file>
 
-<file path=ppt/slides/slide5.xml><?xml version="1.0" encoding="utf-8"?>
+<file path=ppt/slides/slide6.xml><?xml version="1.0" encoding="utf-8"?>
 <p:sld xmlns:a="http://schemas.openxmlformats.org/drawingml/2006/main" xmlns:r="http://schemas.openxmlformats.org/officeDocument/2006/relationships" xmlns:p="http://schemas.openxmlformats.org/presentationml/2006/main">
   <p:cSld>
     <p:spTree>
